--- a/cv_proj4_release/cv_proj4_template.pptx
+++ b/cv_proj4_release/cv_proj4_template.pptx
@@ -1435,7 +1435,7 @@
         </p:nvSpPr>
         <p:spPr>
           <a:xfrm>
-            <a:off x="381300" y="685800"/>
+            <a:off x="381000" y="685800"/>
             <a:ext cx="6096000" cy="3429000"/>
           </a:xfrm>
           <a:custGeom>
@@ -1537,7 +1537,12 @@
             <p:ph type="sldImg"/>
           </p:nvPr>
         </p:nvSpPr>
-        <p:spPr/>
+        <p:spPr>
+          <a:xfrm>
+            <a:off x="381000" y="685800"/>
+            <a:ext cx="6096000" cy="3429000"/>
+          </a:xfrm>
+        </p:spPr>
       </p:sp>
       <p:sp>
         <p:nvSpPr>
@@ -14711,10 +14716,10 @@
               <a:buNone/>
             </a:pPr>
             <a:r>
-              <a:rPr lang="en"/>
-              <a:t>[name]</a:t>
+              <a:rPr lang="en-US" dirty="0"/>
+              <a:t>Aaron Lopes</a:t>
             </a:r>
-            <a:endParaRPr/>
+            <a:endParaRPr dirty="0"/>
           </a:p>
           <a:p>
             <a:pPr marL="0" lvl="0" indent="0" algn="ctr" rtl="0">
@@ -14731,10 +14736,10 @@
               <a:buNone/>
             </a:pPr>
             <a:r>
-              <a:rPr lang="en"/>
-              <a:t>[GT email]</a:t>
+              <a:rPr lang="en" dirty="0"/>
+              <a:t>alopes7@gatech.edu</a:t>
             </a:r>
-            <a:endParaRPr/>
+            <a:endParaRPr dirty="0"/>
           </a:p>
           <a:p>
             <a:pPr marL="0" lvl="0" indent="0" algn="ctr" rtl="0">
@@ -14751,10 +14756,10 @@
               <a:buNone/>
             </a:pPr>
             <a:r>
-              <a:rPr lang="en"/>
-              <a:t>[GT username]</a:t>
+              <a:rPr lang="en-US" dirty="0"/>
+              <a:t>alopes7</a:t>
             </a:r>
-            <a:endParaRPr/>
+            <a:endParaRPr dirty="0"/>
           </a:p>
           <a:p>
             <a:pPr marL="0" lvl="0" indent="0" algn="ctr" rtl="0">
@@ -14771,10 +14776,10 @@
               <a:buNone/>
             </a:pPr>
             <a:r>
-              <a:rPr lang="en"/>
-              <a:t>[GTID]</a:t>
+              <a:rPr lang="en" dirty="0"/>
+              <a:t>903407727</a:t>
             </a:r>
-            <a:endParaRPr/>
+            <a:endParaRPr dirty="0"/>
           </a:p>
         </p:txBody>
       </p:sp>
@@ -15746,72 +15751,6 @@
       </p:sp>
       <p:sp>
         <p:nvSpPr>
-          <p:cNvPr id="106" name="Google Shape;106;p26"/>
-          <p:cNvSpPr txBox="1">
-            <a:spLocks noGrp="1"/>
-          </p:cNvSpPr>
-          <p:nvPr>
-            <p:ph type="body" idx="1"/>
-          </p:nvPr>
-        </p:nvSpPr>
-        <p:spPr>
-          <a:xfrm>
-            <a:off x="311700" y="1152475"/>
-            <a:ext cx="3999900" cy="3416400"/>
-          </a:xfrm>
-          <a:prstGeom prst="rect">
-            <a:avLst/>
-          </a:prstGeom>
-        </p:spPr>
-        <p:txBody>
-          <a:bodyPr spcFirstLastPara="1" wrap="square" lIns="91425" tIns="91425" rIns="91425" bIns="91425" anchor="t" anchorCtr="0">
-            <a:noAutofit/>
-          </a:bodyPr>
-          <a:lstStyle/>
-          <a:p>
-            <a:pPr marL="0" lvl="0" indent="0" algn="l" rtl="0">
-              <a:spcBef>
-                <a:spcPts val="0"/>
-              </a:spcBef>
-              <a:spcAft>
-                <a:spcPts val="0"/>
-              </a:spcAft>
-              <a:buNone/>
-            </a:pPr>
-            <a:r>
-              <a:rPr lang="en" dirty="0"/>
-              <a:t>[insert visualization of \sqrt(I</a:t>
-            </a:r>
-            <a:r>
-              <a:rPr lang="en" baseline="-25000" dirty="0"/>
-              <a:t>x</a:t>
-            </a:r>
-            <a:r>
-              <a:rPr lang="en" baseline="30000" dirty="0"/>
-              <a:t>2</a:t>
-            </a:r>
-            <a:r>
-              <a:rPr lang="en" dirty="0"/>
-              <a:t> + I</a:t>
-            </a:r>
-            <a:r>
-              <a:rPr lang="en" baseline="-25000" dirty="0"/>
-              <a:t>y</a:t>
-            </a:r>
-            <a:r>
-              <a:rPr lang="en" baseline="30000" dirty="0"/>
-              <a:t>2</a:t>
-            </a:r>
-            <a:r>
-              <a:rPr lang="en" dirty="0"/>
-              <a:t>) for Klaus image pair from proj2.ipynb here]</a:t>
-            </a:r>
-            <a:endParaRPr dirty="0"/>
-          </a:p>
-        </p:txBody>
-      </p:sp>
-      <p:sp>
-        <p:nvSpPr>
           <p:cNvPr id="107" name="Google Shape;107;p26"/>
           <p:cNvSpPr txBox="1">
             <a:spLocks noGrp="1"/>
@@ -15846,7 +15785,7 @@
             </a:pPr>
             <a:r>
               <a:rPr lang="en" dirty="0"/>
-              <a:t>[Which areas have highest magnitude? Why?]</a:t>
+              <a:t>The area’s with the highest magnitude are the vertical and horizontal edges, because these are the locations of maximum contrast between the surrounding areas with respect to the image orientation; where the gradient is pointing towards the most rapid increase in intensity </a:t>
             </a:r>
             <a:endParaRPr dirty="0"/>
           </a:p>
@@ -15854,49 +15793,32 @@
       </p:sp>
       <p:pic>
         <p:nvPicPr>
-          <p:cNvPr id="1026" name="Picture 2">
+          <p:cNvPr id="7" name="Picture 6" descr="Graphical user interface&#10;&#10;Description automatically generated">
             <a:extLst>
               <a:ext uri="{FF2B5EF4-FFF2-40B4-BE49-F238E27FC236}">
-                <a16:creationId xmlns:a16="http://schemas.microsoft.com/office/drawing/2014/main" id="{56CC2BA3-9334-42E7-AFAC-54D49D0EFEE5}"/>
+                <a16:creationId xmlns:a16="http://schemas.microsoft.com/office/drawing/2014/main" id="{897B71F6-4016-744C-BCAF-6B4F08644261}"/>
               </a:ext>
             </a:extLst>
           </p:cNvPr>
           <p:cNvPicPr>
-            <a:picLocks noChangeAspect="1" noChangeArrowheads="1"/>
+            <a:picLocks noChangeAspect="1"/>
           </p:cNvPicPr>
           <p:nvPr/>
         </p:nvPicPr>
         <p:blipFill>
-          <a:blip r:embed="rId3">
-            <a:extLst>
-              <a:ext uri="{28A0092B-C50C-407E-A947-70E740481C1C}">
-                <a14:useLocalDpi xmlns:a14="http://schemas.microsoft.com/office/drawing/2010/main" val="0"/>
-              </a:ext>
-            </a:extLst>
-          </a:blip>
-          <a:srcRect/>
+          <a:blip r:embed="rId3"/>
           <a:stretch>
             <a:fillRect/>
           </a:stretch>
         </p:blipFill>
-        <p:spPr bwMode="auto">
+        <p:spPr>
           <a:xfrm>
-            <a:off x="164727" y="2054037"/>
-            <a:ext cx="4461062" cy="2230531"/>
+            <a:off x="169719" y="1320722"/>
+            <a:ext cx="4141882" cy="2502056"/>
           </a:xfrm>
           <a:prstGeom prst="rect">
             <a:avLst/>
           </a:prstGeom>
-          <a:noFill/>
-          <a:extLst>
-            <a:ext uri="{909E8E84-426E-40DD-AFC4-6F175D3DCCD1}">
-              <a14:hiddenFill xmlns:a14="http://schemas.microsoft.com/office/drawing/2010/main">
-                <a:solidFill>
-                  <a:srgbClr val="FFFFFF"/>
-                </a:solidFill>
-              </a14:hiddenFill>
-            </a:ext>
-          </a:extLst>
         </p:spPr>
       </p:pic>
     </p:spTree>
@@ -15966,104 +15888,36 @@
           </a:p>
         </p:txBody>
       </p:sp>
-      <p:sp>
-        <p:nvSpPr>
-          <p:cNvPr id="113" name="Google Shape;113;p27"/>
-          <p:cNvSpPr txBox="1">
-            <a:spLocks noGrp="1"/>
-          </p:cNvSpPr>
-          <p:nvPr>
-            <p:ph type="body" idx="1"/>
-          </p:nvPr>
-        </p:nvSpPr>
+      <p:pic>
+        <p:nvPicPr>
+          <p:cNvPr id="5" name="Picture 4" descr="A picture containing chart&#10;&#10;Description automatically generated">
+            <a:extLst>
+              <a:ext uri="{FF2B5EF4-FFF2-40B4-BE49-F238E27FC236}">
+                <a16:creationId xmlns:a16="http://schemas.microsoft.com/office/drawing/2014/main" id="{EA2B64E4-1A20-B741-AE78-B00E6A753AE7}"/>
+              </a:ext>
+            </a:extLst>
+          </p:cNvPr>
+          <p:cNvPicPr>
+            <a:picLocks noChangeAspect="1"/>
+          </p:cNvPicPr>
+          <p:nvPr/>
+        </p:nvPicPr>
+        <p:blipFill>
+          <a:blip r:embed="rId3"/>
+          <a:stretch>
+            <a:fillRect/>
+          </a:stretch>
+        </p:blipFill>
         <p:spPr>
           <a:xfrm>
-            <a:off x="311700" y="1152475"/>
-            <a:ext cx="8520600" cy="3416400"/>
+            <a:off x="2076003" y="1017725"/>
+            <a:ext cx="4991994" cy="3863711"/>
           </a:xfrm>
           <a:prstGeom prst="rect">
             <a:avLst/>
           </a:prstGeom>
         </p:spPr>
-        <p:txBody>
-          <a:bodyPr spcFirstLastPara="1" wrap="square" lIns="91425" tIns="91425" rIns="91425" bIns="91425" anchor="t" anchorCtr="0">
-            <a:noAutofit/>
-          </a:bodyPr>
-          <a:lstStyle/>
-          <a:p>
-            <a:pPr marL="0" lvl="0" indent="0" algn="l" rtl="0">
-              <a:spcBef>
-                <a:spcPts val="0"/>
-              </a:spcBef>
-              <a:spcAft>
-                <a:spcPts val="0"/>
-              </a:spcAft>
-              <a:buNone/>
-            </a:pPr>
-            <a:r>
-              <a:rPr lang="en" dirty="0"/>
-              <a:t>[insert visualization of I</a:t>
-            </a:r>
-            <a:r>
-              <a:rPr lang="en" baseline="-25000" dirty="0"/>
-              <a:t>x</a:t>
-            </a:r>
-            <a:r>
-              <a:rPr lang="en" dirty="0"/>
-              <a:t>, I</a:t>
-            </a:r>
-            <a:r>
-              <a:rPr lang="en" baseline="-25000" dirty="0"/>
-              <a:t>y</a:t>
-            </a:r>
-            <a:r>
-              <a:rPr lang="en" dirty="0"/>
-              <a:t>, s</a:t>
-            </a:r>
-            <a:r>
-              <a:rPr lang="en" baseline="-25000" dirty="0"/>
-              <a:t>x</a:t>
-            </a:r>
-            <a:r>
-              <a:rPr lang="en" baseline="30000" dirty="0"/>
-              <a:t>2</a:t>
-            </a:r>
-            <a:r>
-              <a:rPr lang="en" dirty="0"/>
-              <a:t>, s</a:t>
-            </a:r>
-            <a:r>
-              <a:rPr lang="en" baseline="-25000" dirty="0"/>
-              <a:t>y</a:t>
-            </a:r>
-            <a:r>
-              <a:rPr lang="en" baseline="30000" dirty="0"/>
-              <a:t>2</a:t>
-            </a:r>
-            <a:r>
-              <a:rPr lang="en" dirty="0"/>
-              <a:t>, s</a:t>
-            </a:r>
-            <a:r>
-              <a:rPr lang="en" baseline="-25000" dirty="0"/>
-              <a:t>x</a:t>
-            </a:r>
-            <a:r>
-              <a:rPr lang="en" dirty="0"/>
-              <a:t>s</a:t>
-            </a:r>
-            <a:r>
-              <a:rPr lang="en" baseline="-25000" dirty="0"/>
-              <a:t>y</a:t>
-            </a:r>
-            <a:r>
-              <a:rPr lang="en" dirty="0"/>
-              <a:t> for Notre Dame image pair from proj2.ipynb here] </a:t>
-            </a:r>
-            <a:endParaRPr dirty="0"/>
-          </a:p>
-        </p:txBody>
-      </p:sp>
+      </p:pic>
     </p:spTree>
   </p:cSld>
   <p:clrMapOvr>
@@ -16149,15 +16003,7 @@
             </a:pPr>
             <a:r>
               <a:rPr lang="en-US" dirty="0"/>
-              <a:t>[Describe your implementation of generating the Harris </a:t>
-            </a:r>
-            <a:r>
-              <a:rPr lang="en-US" dirty="0" err="1"/>
-              <a:t>cornerness</a:t>
-            </a:r>
-            <a:r>
-              <a:rPr lang="en-US" dirty="0"/>
-              <a:t> score response map]</a:t>
+              <a:t>First, the black and white image is passed through the Sobel filter and the x and y gradients are obtained. From these gradients, the values of the second moment matrix are calculated by convoluting the squares and mixed gradients with a generated Gaussian filter. Once these values are found, the score can be calculated using the det(M) - alpha(trace(M))^2 where M is the second moment matrix.</a:t>
             </a:r>
           </a:p>
         </p:txBody>
@@ -16236,48 +16082,6 @@
       </p:sp>
       <p:sp>
         <p:nvSpPr>
-          <p:cNvPr id="119" name="Google Shape;119;p28"/>
-          <p:cNvSpPr txBox="1">
-            <a:spLocks noGrp="1"/>
-          </p:cNvSpPr>
-          <p:nvPr>
-            <p:ph type="body" idx="1"/>
-          </p:nvPr>
-        </p:nvSpPr>
-        <p:spPr>
-          <a:xfrm>
-            <a:off x="311700" y="1152475"/>
-            <a:ext cx="3999900" cy="3416400"/>
-          </a:xfrm>
-          <a:prstGeom prst="rect">
-            <a:avLst/>
-          </a:prstGeom>
-        </p:spPr>
-        <p:txBody>
-          <a:bodyPr spcFirstLastPara="1" wrap="square" lIns="91425" tIns="91425" rIns="91425" bIns="91425" anchor="t" anchorCtr="0">
-            <a:noAutofit/>
-          </a:bodyPr>
-          <a:lstStyle/>
-          <a:p>
-            <a:pPr marL="0" lvl="0" indent="0" algn="l" rtl="0">
-              <a:spcBef>
-                <a:spcPts val="0"/>
-              </a:spcBef>
-              <a:spcAft>
-                <a:spcPts val="0"/>
-              </a:spcAft>
-              <a:buNone/>
-            </a:pPr>
-            <a:r>
-              <a:rPr lang="en" dirty="0"/>
-              <a:t>[insert visualization of corner response map of CRC image from proj2.ipynb here]</a:t>
-            </a:r>
-            <a:endParaRPr dirty="0"/>
-          </a:p>
-        </p:txBody>
-      </p:sp>
-      <p:sp>
-        <p:nvSpPr>
           <p:cNvPr id="120" name="Google Shape;120;p28"/>
           <p:cNvSpPr txBox="1">
             <a:spLocks noGrp="1"/>
@@ -16312,7 +16116,7 @@
             </a:pPr>
             <a:r>
               <a:rPr lang="en" dirty="0"/>
-              <a:t>[Are gradient features invariant to both additive shifts (brightness) and multiplicative gain (contrast)? Why or why not?]</a:t>
+              <a:t>No, the gradients depend on the intensity of contrast between darker and lighter pixel neighborhoods. Therefore, it is not invariant to </a:t>
             </a:r>
             <a:endParaRPr dirty="0"/>
           </a:p>
@@ -16320,49 +16124,32 @@
       </p:sp>
       <p:pic>
         <p:nvPicPr>
-          <p:cNvPr id="1026" name="Picture 2">
+          <p:cNvPr id="3" name="Picture 2" descr="Chart&#10;&#10;Description automatically generated">
             <a:extLst>
               <a:ext uri="{FF2B5EF4-FFF2-40B4-BE49-F238E27FC236}">
-                <a16:creationId xmlns:a16="http://schemas.microsoft.com/office/drawing/2014/main" id="{3B90173F-EB63-401B-94C6-6B6409787181}"/>
+                <a16:creationId xmlns:a16="http://schemas.microsoft.com/office/drawing/2014/main" id="{BB8F65EF-D8F1-0F4E-BA1D-F845D5FD8C35}"/>
               </a:ext>
             </a:extLst>
           </p:cNvPr>
           <p:cNvPicPr>
-            <a:picLocks noChangeAspect="1" noChangeArrowheads="1"/>
+            <a:picLocks noChangeAspect="1"/>
           </p:cNvPicPr>
           <p:nvPr/>
         </p:nvPicPr>
         <p:blipFill>
-          <a:blip r:embed="rId3">
-            <a:extLst>
-              <a:ext uri="{28A0092B-C50C-407E-A947-70E740481C1C}">
-                <a14:useLocalDpi xmlns:a14="http://schemas.microsoft.com/office/drawing/2010/main" val="0"/>
-              </a:ext>
-            </a:extLst>
-          </a:blip>
-          <a:srcRect/>
+          <a:blip r:embed="rId3"/>
           <a:stretch>
             <a:fillRect/>
           </a:stretch>
         </p:blipFill>
-        <p:spPr bwMode="auto">
+        <p:spPr>
           <a:xfrm>
-            <a:off x="0" y="2094379"/>
-            <a:ext cx="4716556" cy="2358278"/>
+            <a:off x="311700" y="1745345"/>
+            <a:ext cx="3633817" cy="2075762"/>
           </a:xfrm>
           <a:prstGeom prst="rect">
             <a:avLst/>
           </a:prstGeom>
-          <a:noFill/>
-          <a:extLst>
-            <a:ext uri="{909E8E84-426E-40DD-AFC4-6F175D3DCCD1}">
-              <a14:hiddenFill xmlns:a14="http://schemas.microsoft.com/office/drawing/2010/main">
-                <a:solidFill>
-                  <a:srgbClr val="FFFFFF"/>
-                </a:solidFill>
-              </a14:hiddenFill>
-            </a:ext>
-          </a:extLst>
         </p:spPr>
       </p:pic>
     </p:spTree>

--- a/cv_proj4_release/cv_proj4_template.pptx
+++ b/cv_proj4_release/cv_proj4_template.pptx
@@ -1935,7 +1935,7 @@
         </p:nvSpPr>
         <p:spPr>
           <a:xfrm>
-            <a:off x="381300" y="685800"/>
+            <a:off x="381000" y="685800"/>
             <a:ext cx="6096000" cy="3429000"/>
           </a:xfrm>
           <a:custGeom>
@@ -14901,10 +14901,28 @@
               <a:buNone/>
             </a:pPr>
             <a:r>
-              <a:rPr lang="en"/>
+              <a:rPr lang="en-US" dirty="0"/>
               <a:t>[Why aren't our version of SIFT features rotation- or scale-invariant? What would you have to do to make them so?]</a:t>
             </a:r>
-            <a:endParaRPr/>
+          </a:p>
+          <a:p>
+            <a:pPr marL="0" lvl="0" indent="0" algn="l" rtl="0">
+              <a:lnSpc>
+                <a:spcPct val="115000"/>
+              </a:lnSpc>
+              <a:spcBef>
+                <a:spcPts val="0"/>
+              </a:spcBef>
+              <a:spcAft>
+                <a:spcPts val="1600"/>
+              </a:spcAft>
+              <a:buSzPts val="1800"/>
+              <a:buNone/>
+            </a:pPr>
+            <a:r>
+              <a:rPr lang="en-US" dirty="0"/>
+              <a:t>They are not rotation of scale invariant because the SIFT features take orientation and magnitude into account while feature mapping. To make it invariant, a maximal orientation would need to be applied to the image.</a:t>
+            </a:r>
           </a:p>
         </p:txBody>
       </p:sp>
@@ -15003,6 +15021,27 @@
             <a:pPr marL="114300" indent="0">
               <a:buNone/>
             </a:pPr>
+            <a:endParaRPr lang="en" dirty="0"/>
+          </a:p>
+          <a:p>
+            <a:pPr marL="114300" indent="0">
+              <a:buNone/>
+            </a:pPr>
+            <a:r>
+              <a:rPr lang="en" dirty="0"/>
+              <a:t>By adding two more dimensions (magnitude and orientation) to the equation, the descriptors are more pertinent to image content rather than simply light distribution.</a:t>
+            </a:r>
+          </a:p>
+          <a:p>
+            <a:pPr marL="114300" indent="0">
+              <a:buNone/>
+            </a:pPr>
+            <a:endParaRPr lang="en" dirty="0"/>
+          </a:p>
+          <a:p>
+            <a:pPr marL="114300" indent="0">
+              <a:buNone/>
+            </a:pPr>
             <a:endParaRPr lang="en-US" dirty="0"/>
           </a:p>
         </p:txBody>
@@ -15192,6 +15231,36 @@
           </a:p>
         </p:txBody>
       </p:sp>
+      <p:pic>
+        <p:nvPicPr>
+          <p:cNvPr id="3" name="Picture 2" descr="A picture containing text, grass, outdoor, park&#10;&#10;Description automatically generated">
+            <a:extLst>
+              <a:ext uri="{FF2B5EF4-FFF2-40B4-BE49-F238E27FC236}">
+                <a16:creationId xmlns:a16="http://schemas.microsoft.com/office/drawing/2014/main" id="{DF8A68C4-2768-F54F-AF02-6B496EF9EAB0}"/>
+              </a:ext>
+            </a:extLst>
+          </p:cNvPr>
+          <p:cNvPicPr>
+            <a:picLocks noChangeAspect="1"/>
+          </p:cNvPicPr>
+          <p:nvPr/>
+        </p:nvPicPr>
+        <p:blipFill>
+          <a:blip r:embed="rId3"/>
+          <a:stretch>
+            <a:fillRect/>
+          </a:stretch>
+        </p:blipFill>
+        <p:spPr>
+          <a:xfrm>
+            <a:off x="622742" y="2035225"/>
+            <a:ext cx="2921000" cy="1955800"/>
+          </a:xfrm>
+          <a:prstGeom prst="rect">
+            <a:avLst/>
+          </a:prstGeom>
+        </p:spPr>
+      </p:pic>
     </p:spTree>
     <p:extLst>
       <p:ext uri="{BB962C8B-B14F-4D97-AF65-F5344CB8AC3E}">
@@ -15302,6 +15371,33 @@
               <a:rPr lang="en" dirty="0"/>
               <a:t>[Look at some of the mismatched features in your picture. Why might this have occurred?]</a:t>
             </a:r>
+          </a:p>
+          <a:p>
+            <a:pPr marL="0" lvl="0" indent="0" algn="l" rtl="0">
+              <a:spcBef>
+                <a:spcPts val="0"/>
+              </a:spcBef>
+              <a:spcAft>
+                <a:spcPts val="0"/>
+              </a:spcAft>
+              <a:buNone/>
+            </a:pPr>
+            <a:endParaRPr lang="en" dirty="0"/>
+          </a:p>
+          <a:p>
+            <a:pPr marL="0" lvl="0" indent="0" algn="l" rtl="0">
+              <a:spcBef>
+                <a:spcPts val="0"/>
+              </a:spcBef>
+              <a:spcAft>
+                <a:spcPts val="0"/>
+              </a:spcAft>
+              <a:buNone/>
+            </a:pPr>
+            <a:r>
+              <a:rPr lang="en" dirty="0"/>
+              <a:t>There are repetitive features in the pictures.</a:t>
+            </a:r>
             <a:endParaRPr dirty="0"/>
           </a:p>
         </p:txBody>
@@ -15336,6 +15432,27 @@
             </a:r>
           </a:p>
           <a:p>
+            <a:pPr marL="139700" indent="0">
+              <a:buNone/>
+            </a:pPr>
+            <a:endParaRPr lang="en-US" dirty="0"/>
+          </a:p>
+          <a:p>
+            <a:pPr marL="139700" indent="0">
+              <a:buNone/>
+            </a:pPr>
+            <a:r>
+              <a:rPr lang="en-US" dirty="0"/>
+              <a:t>First, the distances between features is computed to obtain matches and confidence. Then, matches below the threshold are added to a list of matches, and returned.</a:t>
+            </a:r>
+          </a:p>
+          <a:p>
+            <a:endParaRPr lang="en-US" dirty="0"/>
+          </a:p>
+          <a:p>
+            <a:pPr marL="139700" indent="0">
+              <a:buNone/>
+            </a:pPr>
             <a:endParaRPr lang="en-US" dirty="0"/>
           </a:p>
         </p:txBody>
@@ -16116,7 +16233,7 @@
             </a:pPr>
             <a:r>
               <a:rPr lang="en" dirty="0"/>
-              <a:t>No, the gradients depend on the intensity of contrast between darker and lighter pixel neighborhoods. Therefore, it is not invariant to </a:t>
+              <a:t>Yes, because the image is black and white changes in brightness and contrast with not effect the intensity gradients.</a:t>
             </a:r>
             <a:endParaRPr dirty="0"/>
           </a:p>
@@ -16391,6 +16508,36 @@
           </a:extLst>
         </p:spPr>
       </p:pic>
+      <p:pic>
+        <p:nvPicPr>
+          <p:cNvPr id="3" name="Picture 2" descr="Graphical user interface&#10;&#10;Description automatically generated with low confidence">
+            <a:extLst>
+              <a:ext uri="{FF2B5EF4-FFF2-40B4-BE49-F238E27FC236}">
+                <a16:creationId xmlns:a16="http://schemas.microsoft.com/office/drawing/2014/main" id="{B6838024-20B7-2444-AC49-B15BFB08FAE6}"/>
+              </a:ext>
+            </a:extLst>
+          </p:cNvPr>
+          <p:cNvPicPr>
+            <a:picLocks noChangeAspect="1"/>
+          </p:cNvPicPr>
+          <p:nvPr/>
+        </p:nvPicPr>
+        <p:blipFill>
+          <a:blip r:embed="rId4"/>
+          <a:stretch>
+            <a:fillRect/>
+          </a:stretch>
+        </p:blipFill>
+        <p:spPr>
+          <a:xfrm>
+            <a:off x="4806400" y="2281287"/>
+            <a:ext cx="4025900" cy="2032000"/>
+          </a:xfrm>
+          <a:prstGeom prst="rect">
+            <a:avLst/>
+          </a:prstGeom>
+        </p:spPr>
+      </p:pic>
     </p:spTree>
   </p:cSld>
   <p:clrMapOvr>
@@ -16495,6 +16642,48 @@
             <a:r>
               <a:rPr lang="en" dirty="0"/>
               <a:t>[What are the advantages and disadvantages of using maxpooling for non-maximum suppression (NMS)?]</a:t>
+            </a:r>
+          </a:p>
+          <a:p>
+            <a:pPr marL="0" lvl="0" indent="0" algn="l" rtl="0">
+              <a:spcBef>
+                <a:spcPts val="0"/>
+              </a:spcBef>
+              <a:spcAft>
+                <a:spcPts val="0"/>
+              </a:spcAft>
+              <a:buNone/>
+            </a:pPr>
+            <a:endParaRPr lang="en" dirty="0"/>
+          </a:p>
+          <a:p>
+            <a:pPr marL="0" lvl="0" indent="0" algn="l" rtl="0">
+              <a:spcBef>
+                <a:spcPts val="0"/>
+              </a:spcBef>
+              <a:spcAft>
+                <a:spcPts val="0"/>
+              </a:spcAft>
+              <a:buNone/>
+            </a:pPr>
+            <a:r>
+              <a:rPr lang="en-US" dirty="0"/>
+              <a:t>Advantage: setting a threshold for the image allows for uniformity in evaluation</a:t>
+            </a:r>
+          </a:p>
+          <a:p>
+            <a:pPr marL="0" lvl="0" indent="0" algn="l" rtl="0">
+              <a:spcBef>
+                <a:spcPts val="0"/>
+              </a:spcBef>
+              <a:spcAft>
+                <a:spcPts val="0"/>
+              </a:spcAft>
+              <a:buNone/>
+            </a:pPr>
+            <a:r>
+              <a:rPr lang="en-US" dirty="0"/>
+              <a:t>Disadvantage: Not adaptable to images with varying contrast ratios </a:t>
             </a:r>
             <a:endParaRPr dirty="0"/>
           </a:p>
@@ -16602,10 +16791,10 @@
               <a:buNone/>
             </a:pPr>
             <a:r>
-              <a:rPr lang="en"/>
-              <a:t>[What is your intuition behind what makes the Harris corner detector effective?]</a:t>
+              <a:rPr lang="en-US" dirty="0"/>
+              <a:t>As the detector is simply looking for significant changes in the x and y directions, the computational power and complexity needed to perform this task is relatively low.</a:t>
             </a:r>
-            <a:endParaRPr/>
+            <a:endParaRPr dirty="0"/>
           </a:p>
         </p:txBody>
       </p:sp>
@@ -16711,10 +16900,9 @@
               <a:buNone/>
             </a:pPr>
             <a:r>
-              <a:rPr lang="en" dirty="0"/>
+              <a:rPr lang="en-US" dirty="0"/>
               <a:t>[insert visualization of SIFT feature descriptor from proj2.ipynb here]</a:t>
             </a:r>
-            <a:endParaRPr dirty="0"/>
           </a:p>
         </p:txBody>
       </p:sp>
@@ -17002,13 +17190,66 @@
               <a:buNone/>
             </a:pPr>
             <a:r>
-              <a:rPr lang="en-US"/>
+              <a:rPr lang="en-US" dirty="0"/>
               <a:t>[Describe your implementation of SIFT feature descriptors here]</a:t>
             </a:r>
+          </a:p>
+          <a:p>
+            <a:pPr marL="0" indent="0">
+              <a:buFont typeface="Arial"/>
+              <a:buNone/>
+            </a:pPr>
+            <a:endParaRPr lang="en-US" dirty="0"/>
+          </a:p>
+          <a:p>
+            <a:pPr marL="0" indent="0">
+              <a:buFont typeface="Arial"/>
+              <a:buNone/>
+            </a:pPr>
+            <a:r>
+              <a:rPr lang="en-US" dirty="0"/>
+              <a:t>First compute the image gradients of the given black and white image, then obtain the magnitudes and orientations of the gradient vectors. Once this information is computed, feature vectors of size 16x16 are obtained from the image. These are stored in a (1, 128) tensor.</a:t>
+            </a:r>
+          </a:p>
+          <a:p>
+            <a:pPr marL="0" indent="0">
+              <a:buFont typeface="Arial"/>
+              <a:buNone/>
+            </a:pPr>
             <a:endParaRPr lang="en-US" dirty="0"/>
           </a:p>
         </p:txBody>
       </p:sp>
+      <p:pic>
+        <p:nvPicPr>
+          <p:cNvPr id="3" name="Picture 2" descr="Chart&#10;&#10;Description automatically generated">
+            <a:extLst>
+              <a:ext uri="{FF2B5EF4-FFF2-40B4-BE49-F238E27FC236}">
+                <a16:creationId xmlns:a16="http://schemas.microsoft.com/office/drawing/2014/main" id="{DBEFBDB9-5D16-A649-8319-98FFABC95895}"/>
+              </a:ext>
+            </a:extLst>
+          </p:cNvPr>
+          <p:cNvPicPr>
+            <a:picLocks noChangeAspect="1"/>
+          </p:cNvPicPr>
+          <p:nvPr/>
+        </p:nvPicPr>
+        <p:blipFill>
+          <a:blip r:embed="rId3"/>
+          <a:stretch>
+            <a:fillRect/>
+          </a:stretch>
+        </p:blipFill>
+        <p:spPr>
+          <a:xfrm>
+            <a:off x="1142581" y="1941428"/>
+            <a:ext cx="2338137" cy="2676997"/>
+          </a:xfrm>
+          <a:prstGeom prst="rect">
+            <a:avLst/>
+          </a:prstGeom>
+        </p:spPr>
+      </p:pic>
     </p:spTree>
   </p:cSld>
   <p:clrMapOvr>
